--- a/Documentation/4 - Suivi projet/Point_Equipe_2015-07-23.pptx
+++ b/Documentation/4 - Suivi projet/Point_Equipe_2015-07-23.pptx
@@ -122,7 +122,7 @@
   </p:defaultTextStyle>
   <p:extLst>
     <p:ext uri="{EFAFB233-063F-42B5-8137-9DF3F51BA10A}">
-      <p15:sldGuideLst xmlns="" xmlns:p15="http://schemas.microsoft.com/office/powerpoint/2012/main">
+      <p15:sldGuideLst xmlns:p15="http://schemas.microsoft.com/office/powerpoint/2012/main">
         <p15:guide id="1" orient="horz" pos="2160">
           <p15:clr>
             <a:srgbClr val="A4A3A4"/>
@@ -391,7 +391,7 @@
     </p:spTree>
     <p:extLst>
       <p:ext uri="{BB962C8B-B14F-4D97-AF65-F5344CB8AC3E}">
-        <p14:creationId xmlns="" xmlns:p14="http://schemas.microsoft.com/office/powerpoint/2010/main" val="644369615"/>
+        <p14:creationId xmlns:p14="http://schemas.microsoft.com/office/powerpoint/2010/main" val="644369615"/>
       </p:ext>
     </p:extLst>
   </p:cSld>
@@ -566,7 +566,7 @@
     </p:spTree>
     <p:extLst>
       <p:ext uri="{BB962C8B-B14F-4D97-AF65-F5344CB8AC3E}">
-        <p14:creationId xmlns="" xmlns:p14="http://schemas.microsoft.com/office/powerpoint/2010/main" val="447969412"/>
+        <p14:creationId xmlns:p14="http://schemas.microsoft.com/office/powerpoint/2010/main" val="447969412"/>
       </p:ext>
     </p:extLst>
   </p:cSld>
@@ -651,7 +651,7 @@
     </p:spTree>
     <p:extLst>
       <p:ext uri="{BB962C8B-B14F-4D97-AF65-F5344CB8AC3E}">
-        <p14:creationId xmlns="" xmlns:p14="http://schemas.microsoft.com/office/powerpoint/2010/main" val="3203588683"/>
+        <p14:creationId xmlns:p14="http://schemas.microsoft.com/office/powerpoint/2010/main" val="3203588683"/>
       </p:ext>
     </p:extLst>
   </p:cSld>
@@ -736,7 +736,7 @@
     </p:spTree>
     <p:extLst>
       <p:ext uri="{BB962C8B-B14F-4D97-AF65-F5344CB8AC3E}">
-        <p14:creationId xmlns="" xmlns:p14="http://schemas.microsoft.com/office/powerpoint/2010/main" val="3203588683"/>
+        <p14:creationId xmlns:p14="http://schemas.microsoft.com/office/powerpoint/2010/main" val="3203588683"/>
       </p:ext>
     </p:extLst>
   </p:cSld>
@@ -821,7 +821,7 @@
     </p:spTree>
     <p:extLst>
       <p:ext uri="{BB962C8B-B14F-4D97-AF65-F5344CB8AC3E}">
-        <p14:creationId xmlns="" xmlns:p14="http://schemas.microsoft.com/office/powerpoint/2010/main" val="3203588683"/>
+        <p14:creationId xmlns:p14="http://schemas.microsoft.com/office/powerpoint/2010/main" val="3203588683"/>
       </p:ext>
     </p:extLst>
   </p:cSld>
@@ -906,7 +906,7 @@
     </p:spTree>
     <p:extLst>
       <p:ext uri="{BB962C8B-B14F-4D97-AF65-F5344CB8AC3E}">
-        <p14:creationId xmlns="" xmlns:p14="http://schemas.microsoft.com/office/powerpoint/2010/main" val="3203588683"/>
+        <p14:creationId xmlns:p14="http://schemas.microsoft.com/office/powerpoint/2010/main" val="3203588683"/>
       </p:ext>
     </p:extLst>
   </p:cSld>
@@ -991,7 +991,7 @@
     </p:spTree>
     <p:extLst>
       <p:ext uri="{BB962C8B-B14F-4D97-AF65-F5344CB8AC3E}">
-        <p14:creationId xmlns="" xmlns:p14="http://schemas.microsoft.com/office/powerpoint/2010/main" val="447969412"/>
+        <p14:creationId xmlns:p14="http://schemas.microsoft.com/office/powerpoint/2010/main" val="447969412"/>
       </p:ext>
     </p:extLst>
   </p:cSld>
@@ -1076,7 +1076,7 @@
     </p:spTree>
     <p:extLst>
       <p:ext uri="{BB962C8B-B14F-4D97-AF65-F5344CB8AC3E}">
-        <p14:creationId xmlns="" xmlns:p14="http://schemas.microsoft.com/office/powerpoint/2010/main" val="447969412"/>
+        <p14:creationId xmlns:p14="http://schemas.microsoft.com/office/powerpoint/2010/main" val="447969412"/>
       </p:ext>
     </p:extLst>
   </p:cSld>
@@ -1161,7 +1161,7 @@
     </p:spTree>
     <p:extLst>
       <p:ext uri="{BB962C8B-B14F-4D97-AF65-F5344CB8AC3E}">
-        <p14:creationId xmlns="" xmlns:p14="http://schemas.microsoft.com/office/powerpoint/2010/main" val="447969412"/>
+        <p14:creationId xmlns:p14="http://schemas.microsoft.com/office/powerpoint/2010/main" val="447969412"/>
       </p:ext>
     </p:extLst>
   </p:cSld>
@@ -1246,7 +1246,7 @@
     </p:spTree>
     <p:extLst>
       <p:ext uri="{BB962C8B-B14F-4D97-AF65-F5344CB8AC3E}">
-        <p14:creationId xmlns="" xmlns:p14="http://schemas.microsoft.com/office/powerpoint/2010/main" val="447969412"/>
+        <p14:creationId xmlns:p14="http://schemas.microsoft.com/office/powerpoint/2010/main" val="447969412"/>
       </p:ext>
     </p:extLst>
   </p:cSld>
@@ -1331,7 +1331,7 @@
     </p:spTree>
     <p:extLst>
       <p:ext uri="{BB962C8B-B14F-4D97-AF65-F5344CB8AC3E}">
-        <p14:creationId xmlns="" xmlns:p14="http://schemas.microsoft.com/office/powerpoint/2010/main" val="447969412"/>
+        <p14:creationId xmlns:p14="http://schemas.microsoft.com/office/powerpoint/2010/main" val="447969412"/>
       </p:ext>
     </p:extLst>
   </p:cSld>
@@ -1416,7 +1416,7 @@
     </p:spTree>
     <p:extLst>
       <p:ext uri="{BB962C8B-B14F-4D97-AF65-F5344CB8AC3E}">
-        <p14:creationId xmlns:p14="http://schemas.microsoft.com/office/powerpoint/2010/main" xmlns="" val="447969412"/>
+        <p14:creationId xmlns:p14="http://schemas.microsoft.com/office/powerpoint/2010/main" val="447969412"/>
       </p:ext>
     </p:extLst>
   </p:cSld>
@@ -1501,7 +1501,7 @@
     </p:spTree>
     <p:extLst>
       <p:ext uri="{BB962C8B-B14F-4D97-AF65-F5344CB8AC3E}">
-        <p14:creationId xmlns="" xmlns:p14="http://schemas.microsoft.com/office/powerpoint/2010/main" val="447969412"/>
+        <p14:creationId xmlns:p14="http://schemas.microsoft.com/office/powerpoint/2010/main" val="447969412"/>
       </p:ext>
     </p:extLst>
   </p:cSld>
@@ -1586,7 +1586,7 @@
     </p:spTree>
     <p:extLst>
       <p:ext uri="{BB962C8B-B14F-4D97-AF65-F5344CB8AC3E}">
-        <p14:creationId xmlns="" xmlns:p14="http://schemas.microsoft.com/office/powerpoint/2010/main" val="447969412"/>
+        <p14:creationId xmlns:p14="http://schemas.microsoft.com/office/powerpoint/2010/main" val="447969412"/>
       </p:ext>
     </p:extLst>
   </p:cSld>
@@ -1671,7 +1671,7 @@
     </p:spTree>
     <p:extLst>
       <p:ext uri="{BB962C8B-B14F-4D97-AF65-F5344CB8AC3E}">
-        <p14:creationId xmlns="" xmlns:p14="http://schemas.microsoft.com/office/powerpoint/2010/main" val="3203588683"/>
+        <p14:creationId xmlns:p14="http://schemas.microsoft.com/office/powerpoint/2010/main" val="3203588683"/>
       </p:ext>
     </p:extLst>
   </p:cSld>
@@ -1710,7 +1710,7 @@
           <a:blip r:embed="rId2" cstate="email">
             <a:extLst>
               <a:ext uri="{28A0092B-C50C-407E-A947-70E740481C1C}">
-                <a14:useLocalDpi xmlns="" xmlns:a14="http://schemas.microsoft.com/office/drawing/2010/main" val="0"/>
+                <a14:useLocalDpi xmlns:a14="http://schemas.microsoft.com/office/drawing/2010/main" val="0"/>
               </a:ext>
             </a:extLst>
           </a:blip>
@@ -1733,14 +1733,14 @@
           </a:ln>
           <a:extLst>
             <a:ext uri="{909E8E84-426E-40DD-AFC4-6F175D3DCCD1}">
-              <a14:hiddenFill xmlns="" xmlns:a14="http://schemas.microsoft.com/office/drawing/2010/main">
+              <a14:hiddenFill xmlns:a14="http://schemas.microsoft.com/office/drawing/2010/main">
                 <a:solidFill>
                   <a:schemeClr val="accent1"/>
                 </a:solidFill>
               </a14:hiddenFill>
             </a:ext>
             <a:ext uri="{91240B29-F687-4F45-9708-019B960494DF}">
-              <a14:hiddenLine xmlns="" xmlns:a14="http://schemas.microsoft.com/office/drawing/2010/main" w="9525">
+              <a14:hiddenLine xmlns:a14="http://schemas.microsoft.com/office/drawing/2010/main" w="9525">
                 <a:solidFill>
                   <a:schemeClr val="tx1"/>
                 </a:solidFill>
@@ -2023,7 +2023,7 @@
     </p:spTree>
     <p:extLst>
       <p:ext uri="{BB962C8B-B14F-4D97-AF65-F5344CB8AC3E}">
-        <p14:creationId xmlns="" xmlns:p14="http://schemas.microsoft.com/office/powerpoint/2010/main" val="2439187425"/>
+        <p14:creationId xmlns:p14="http://schemas.microsoft.com/office/powerpoint/2010/main" val="2439187425"/>
       </p:ext>
     </p:extLst>
   </p:cSld>
@@ -2202,7 +2202,7 @@
     </p:spTree>
     <p:extLst>
       <p:ext uri="{BB962C8B-B14F-4D97-AF65-F5344CB8AC3E}">
-        <p14:creationId xmlns="" xmlns:p14="http://schemas.microsoft.com/office/powerpoint/2010/main" val="2277311567"/>
+        <p14:creationId xmlns:p14="http://schemas.microsoft.com/office/powerpoint/2010/main" val="2277311567"/>
       </p:ext>
     </p:extLst>
   </p:cSld>
@@ -2384,7 +2384,7 @@
     </p:spTree>
     <p:extLst>
       <p:ext uri="{BB962C8B-B14F-4D97-AF65-F5344CB8AC3E}">
-        <p14:creationId xmlns="" xmlns:p14="http://schemas.microsoft.com/office/powerpoint/2010/main" val="1382734851"/>
+        <p14:creationId xmlns:p14="http://schemas.microsoft.com/office/powerpoint/2010/main" val="1382734851"/>
       </p:ext>
     </p:extLst>
   </p:cSld>
@@ -2556,7 +2556,7 @@
     </p:spTree>
     <p:extLst>
       <p:ext uri="{BB962C8B-B14F-4D97-AF65-F5344CB8AC3E}">
-        <p14:creationId xmlns="" xmlns:p14="http://schemas.microsoft.com/office/powerpoint/2010/main" val="1730161274"/>
+        <p14:creationId xmlns:p14="http://schemas.microsoft.com/office/powerpoint/2010/main" val="1730161274"/>
       </p:ext>
     </p:extLst>
   </p:cSld>
@@ -2804,7 +2804,7 @@
     </p:spTree>
     <p:extLst>
       <p:ext uri="{BB962C8B-B14F-4D97-AF65-F5344CB8AC3E}">
-        <p14:creationId xmlns="" xmlns:p14="http://schemas.microsoft.com/office/powerpoint/2010/main" val="3623823994"/>
+        <p14:creationId xmlns:p14="http://schemas.microsoft.com/office/powerpoint/2010/main" val="3623823994"/>
       </p:ext>
     </p:extLst>
   </p:cSld>
@@ -3094,7 +3094,7 @@
     </p:spTree>
     <p:extLst>
       <p:ext uri="{BB962C8B-B14F-4D97-AF65-F5344CB8AC3E}">
-        <p14:creationId xmlns="" xmlns:p14="http://schemas.microsoft.com/office/powerpoint/2010/main" val="2477640779"/>
+        <p14:creationId xmlns:p14="http://schemas.microsoft.com/office/powerpoint/2010/main" val="2477640779"/>
       </p:ext>
     </p:extLst>
   </p:cSld>
@@ -3518,7 +3518,7 @@
     </p:spTree>
     <p:extLst>
       <p:ext uri="{BB962C8B-B14F-4D97-AF65-F5344CB8AC3E}">
-        <p14:creationId xmlns="" xmlns:p14="http://schemas.microsoft.com/office/powerpoint/2010/main" val="839060086"/>
+        <p14:creationId xmlns:p14="http://schemas.microsoft.com/office/powerpoint/2010/main" val="839060086"/>
       </p:ext>
     </p:extLst>
   </p:cSld>
@@ -3638,7 +3638,7 @@
     </p:spTree>
     <p:extLst>
       <p:ext uri="{BB962C8B-B14F-4D97-AF65-F5344CB8AC3E}">
-        <p14:creationId xmlns="" xmlns:p14="http://schemas.microsoft.com/office/powerpoint/2010/main" val="2000422401"/>
+        <p14:creationId xmlns:p14="http://schemas.microsoft.com/office/powerpoint/2010/main" val="2000422401"/>
       </p:ext>
     </p:extLst>
   </p:cSld>
@@ -3735,7 +3735,7 @@
     </p:spTree>
     <p:extLst>
       <p:ext uri="{BB962C8B-B14F-4D97-AF65-F5344CB8AC3E}">
-        <p14:creationId xmlns="" xmlns:p14="http://schemas.microsoft.com/office/powerpoint/2010/main" val="1625092074"/>
+        <p14:creationId xmlns:p14="http://schemas.microsoft.com/office/powerpoint/2010/main" val="1625092074"/>
       </p:ext>
     </p:extLst>
   </p:cSld>
@@ -4014,7 +4014,7 @@
     </p:spTree>
     <p:extLst>
       <p:ext uri="{BB962C8B-B14F-4D97-AF65-F5344CB8AC3E}">
-        <p14:creationId xmlns="" xmlns:p14="http://schemas.microsoft.com/office/powerpoint/2010/main" val="1562112021"/>
+        <p14:creationId xmlns:p14="http://schemas.microsoft.com/office/powerpoint/2010/main" val="1562112021"/>
       </p:ext>
     </p:extLst>
   </p:cSld>
@@ -4269,7 +4269,7 @@
     </p:spTree>
     <p:extLst>
       <p:ext uri="{BB962C8B-B14F-4D97-AF65-F5344CB8AC3E}">
-        <p14:creationId xmlns="" xmlns:p14="http://schemas.microsoft.com/office/powerpoint/2010/main" val="2251527463"/>
+        <p14:creationId xmlns:p14="http://schemas.microsoft.com/office/powerpoint/2010/main" val="2251527463"/>
       </p:ext>
     </p:extLst>
   </p:cSld>
@@ -4520,7 +4520,7 @@
     </p:spTree>
     <p:extLst>
       <p:ext uri="{BB962C8B-B14F-4D97-AF65-F5344CB8AC3E}">
-        <p14:creationId xmlns="" xmlns:p14="http://schemas.microsoft.com/office/powerpoint/2010/main" val="689816528"/>
+        <p14:creationId xmlns:p14="http://schemas.microsoft.com/office/powerpoint/2010/main" val="689816528"/>
       </p:ext>
     </p:extLst>
   </p:cSld>
@@ -4892,7 +4892,7 @@
           <a:blip r:embed="rId3" cstate="email">
             <a:extLst>
               <a:ext uri="{28A0092B-C50C-407E-A947-70E740481C1C}">
-                <a14:useLocalDpi xmlns="" xmlns:a14="http://schemas.microsoft.com/office/drawing/2010/main" val="0"/>
+                <a14:useLocalDpi xmlns:a14="http://schemas.microsoft.com/office/drawing/2010/main" val="0"/>
               </a:ext>
             </a:extLst>
           </a:blip>
@@ -4913,14 +4913,14 @@
           </a:ln>
           <a:extLst>
             <a:ext uri="{909E8E84-426E-40DD-AFC4-6F175D3DCCD1}">
-              <a14:hiddenFill xmlns="" xmlns:a14="http://schemas.microsoft.com/office/drawing/2010/main">
+              <a14:hiddenFill xmlns:a14="http://schemas.microsoft.com/office/drawing/2010/main">
                 <a:solidFill>
                   <a:schemeClr val="accent1"/>
                 </a:solidFill>
               </a14:hiddenFill>
             </a:ext>
             <a:ext uri="{91240B29-F687-4F45-9708-019B960494DF}">
-              <a14:hiddenLine xmlns="" xmlns:a14="http://schemas.microsoft.com/office/drawing/2010/main" w="9525">
+              <a14:hiddenLine xmlns:a14="http://schemas.microsoft.com/office/drawing/2010/main" w="9525">
                 <a:solidFill>
                   <a:schemeClr val="tx1"/>
                 </a:solidFill>
@@ -5065,7 +5065,7 @@
     </p:spTree>
     <p:extLst>
       <p:ext uri="{BB962C8B-B14F-4D97-AF65-F5344CB8AC3E}">
-        <p14:creationId xmlns="" xmlns:p14="http://schemas.microsoft.com/office/powerpoint/2010/main" val="3506473687"/>
+        <p14:creationId xmlns:p14="http://schemas.microsoft.com/office/powerpoint/2010/main" val="3506473687"/>
       </p:ext>
     </p:extLst>
   </p:cSld>
@@ -5301,8 +5301,13 @@
             </a:pPr>
             <a:r>
               <a:rPr lang="fr-FR" sz="1400" dirty="0" smtClean="0"/>
-              <a:t>6 – Consolider le modèle en XMLA</a:t>
-            </a:r>
+              <a:t>6 – Consolider le modèle en </a:t>
+            </a:r>
+            <a:r>
+              <a:rPr lang="fr-FR" sz="1400" dirty="0" smtClean="0"/>
+              <a:t>XMLA (ou autre)</a:t>
+            </a:r>
+            <a:endParaRPr lang="fr-FR" sz="1400" dirty="0" smtClean="0"/>
           </a:p>
           <a:p>
             <a:pPr lvl="1">
@@ -5315,7 +5320,15 @@
             </a:pPr>
             <a:r>
               <a:rPr lang="fr-FR" sz="1400" dirty="0" smtClean="0"/>
-              <a:t>7 – Envoyer le XMLA du modèle d’agrégats à SSAS</a:t>
+              <a:t>7 – Envoyer le </a:t>
+            </a:r>
+            <a:r>
+              <a:rPr lang="fr-FR" sz="1400" dirty="0" smtClean="0"/>
+              <a:t>XMLA (Ou autre) </a:t>
+            </a:r>
+            <a:r>
+              <a:rPr lang="fr-FR" sz="1400" dirty="0" smtClean="0"/>
+              <a:t>du modèle d’agrégats à SSAS</a:t>
             </a:r>
           </a:p>
           <a:p>
@@ -5329,7 +5342,15 @@
             </a:pPr>
             <a:r>
               <a:rPr lang="fr-FR" sz="1400" dirty="0" smtClean="0"/>
-              <a:t>8 – Envoyer le XMLA de </a:t>
+              <a:t>8 – Envoyer le </a:t>
+            </a:r>
+            <a:r>
+              <a:rPr lang="fr-FR" sz="1400" dirty="0" smtClean="0"/>
+              <a:t>XMLA (Ou autre) </a:t>
+            </a:r>
+            <a:r>
+              <a:rPr lang="fr-FR" sz="1400" dirty="0" smtClean="0"/>
+              <a:t>de </a:t>
             </a:r>
             <a:r>
               <a:rPr lang="fr-FR" sz="1400" dirty="0" err="1" smtClean="0"/>
@@ -5393,11 +5414,7 @@
             </a:r>
             <a:r>
               <a:rPr lang="fr-FR" dirty="0" smtClean="0"/>
-              <a:t> » </a:t>
-            </a:r>
-            <a:r>
-              <a:rPr lang="fr-FR" dirty="0" smtClean="0"/>
-              <a:t>: Matérialisation partielle »</a:t>
+              <a:t> » : Matérialisation partielle »</a:t>
             </a:r>
             <a:endParaRPr lang="fr-FR" dirty="0"/>
           </a:p>
@@ -5449,7 +5466,7 @@
     </p:spTree>
     <p:extLst>
       <p:ext uri="{BB962C8B-B14F-4D97-AF65-F5344CB8AC3E}">
-        <p14:creationId xmlns="" xmlns:p14="http://schemas.microsoft.com/office/powerpoint/2010/main" val="593714746"/>
+        <p14:creationId xmlns:p14="http://schemas.microsoft.com/office/powerpoint/2010/main" val="593714746"/>
       </p:ext>
     </p:extLst>
   </p:cSld>
@@ -5514,11 +5531,7 @@
             </a:pPr>
             <a:r>
               <a:rPr lang="fr-FR" sz="1600" b="1" u="sng" dirty="0" smtClean="0"/>
-              <a:t>Travaux à mener s</a:t>
-            </a:r>
-            <a:r>
-              <a:rPr lang="fr-FR" sz="1600" b="1" u="sng" dirty="0" smtClean="0"/>
-              <a:t>ur les algorithmes</a:t>
+              <a:t>Travaux à mener sur les algorithmes</a:t>
             </a:r>
           </a:p>
           <a:p>
@@ -5568,7 +5581,6 @@
               <a:rPr lang="fr-FR" sz="1600" dirty="0" smtClean="0"/>
               <a:t>Relecture du code &amp; Tests croisés</a:t>
             </a:r>
-            <a:endParaRPr lang="fr-FR" sz="1600" dirty="0" smtClean="0"/>
           </a:p>
         </p:txBody>
       </p:sp>
@@ -5581,7 +5593,7 @@
           <p:nvPr>
             <p:extLst>
               <p:ext uri="{D42A27DB-BD31-4B8C-83A1-F6EECF244321}">
-                <p14:modId xmlns="" xmlns:p14="http://schemas.microsoft.com/office/powerpoint/2010/main" val="2225004352"/>
+                <p14:modId xmlns:p14="http://schemas.microsoft.com/office/powerpoint/2010/main" val="2225004352"/>
               </p:ext>
             </p:extLst>
           </p:nvPr>
@@ -6097,7 +6109,7 @@
     </p:spTree>
     <p:extLst>
       <p:ext uri="{BB962C8B-B14F-4D97-AF65-F5344CB8AC3E}">
-        <p14:creationId xmlns="" xmlns:p14="http://schemas.microsoft.com/office/powerpoint/2010/main" val="593714746"/>
+        <p14:creationId xmlns:p14="http://schemas.microsoft.com/office/powerpoint/2010/main" val="593714746"/>
       </p:ext>
     </p:extLst>
   </p:cSld>
@@ -6798,7 +6810,7 @@
     </p:spTree>
     <p:extLst>
       <p:ext uri="{BB962C8B-B14F-4D97-AF65-F5344CB8AC3E}">
-        <p14:creationId xmlns="" xmlns:p14="http://schemas.microsoft.com/office/powerpoint/2010/main" val="593714746"/>
+        <p14:creationId xmlns:p14="http://schemas.microsoft.com/office/powerpoint/2010/main" val="593714746"/>
       </p:ext>
     </p:extLst>
   </p:cSld>
@@ -6906,11 +6918,7 @@
             </a:pPr>
             <a:r>
               <a:rPr lang="fr-FR" sz="1600" b="1" u="sng" dirty="0" smtClean="0"/>
-              <a:t>Travaux à mener s</a:t>
-            </a:r>
-            <a:r>
-              <a:rPr lang="fr-FR" sz="1600" b="1" u="sng" dirty="0" smtClean="0"/>
-              <a:t>ur chaque report</a:t>
+              <a:t>Travaux à mener sur chaque report</a:t>
             </a:r>
           </a:p>
           <a:p>
@@ -6960,7 +6968,6 @@
               <a:rPr lang="fr-FR" sz="1600" dirty="0" smtClean="0"/>
               <a:t>Requête MDX pour récupérer les données</a:t>
             </a:r>
-            <a:endParaRPr lang="fr-FR" sz="1600" dirty="0" smtClean="0"/>
           </a:p>
           <a:p>
             <a:pPr marL="800100" lvl="1" indent="-342900">
@@ -6993,7 +7000,6 @@
               <a:rPr lang="fr-FR" sz="1600" dirty="0" smtClean="0"/>
               <a:t>Test (croisés) du report</a:t>
             </a:r>
-            <a:endParaRPr lang="fr-FR" sz="1600" dirty="0" smtClean="0"/>
           </a:p>
         </p:txBody>
       </p:sp>
@@ -7006,7 +7012,7 @@
           <p:nvPr>
             <p:extLst>
               <p:ext uri="{D42A27DB-BD31-4B8C-83A1-F6EECF244321}">
-                <p14:modId xmlns="" xmlns:p14="http://schemas.microsoft.com/office/powerpoint/2010/main" val="2225004352"/>
+                <p14:modId xmlns:p14="http://schemas.microsoft.com/office/powerpoint/2010/main" val="2225004352"/>
               </p:ext>
             </p:extLst>
           </p:nvPr>
@@ -7533,7 +7539,7 @@
     </p:spTree>
     <p:extLst>
       <p:ext uri="{BB962C8B-B14F-4D97-AF65-F5344CB8AC3E}">
-        <p14:creationId xmlns="" xmlns:p14="http://schemas.microsoft.com/office/powerpoint/2010/main" val="593714746"/>
+        <p14:creationId xmlns:p14="http://schemas.microsoft.com/office/powerpoint/2010/main" val="593714746"/>
       </p:ext>
     </p:extLst>
   </p:cSld>
@@ -7636,7 +7642,7 @@
           <a:noFill/>
           <a:extLst>
             <a:ext uri="{909E8E84-426E-40DD-AFC4-6F175D3DCCD1}">
-              <a14:hiddenFill xmlns="" xmlns:a14="http://schemas.microsoft.com/office/drawing/2010/main">
+              <a14:hiddenFill xmlns:a14="http://schemas.microsoft.com/office/drawing/2010/main">
                 <a:solidFill>
                   <a:srgbClr val="FFFFFF"/>
                 </a:solidFill>
@@ -7659,7 +7665,7 @@
     </p:spTree>
     <p:extLst>
       <p:ext uri="{BB962C8B-B14F-4D97-AF65-F5344CB8AC3E}">
-        <p14:creationId xmlns="" xmlns:p14="http://schemas.microsoft.com/office/powerpoint/2010/main" val="4022729328"/>
+        <p14:creationId xmlns:p14="http://schemas.microsoft.com/office/powerpoint/2010/main" val="4022729328"/>
       </p:ext>
     </p:extLst>
   </p:cSld>
@@ -7747,7 +7753,7 @@
     </p:spTree>
     <p:extLst>
       <p:ext uri="{BB962C8B-B14F-4D97-AF65-F5344CB8AC3E}">
-        <p14:creationId xmlns="" xmlns:p14="http://schemas.microsoft.com/office/powerpoint/2010/main" val="3949703253"/>
+        <p14:creationId xmlns:p14="http://schemas.microsoft.com/office/powerpoint/2010/main" val="3949703253"/>
       </p:ext>
     </p:extLst>
   </p:cSld>
@@ -7922,7 +7928,6 @@
               <a:rPr lang="fr-FR" dirty="0" smtClean="0"/>
               <a:t>Lot 2 : Optimiseur</a:t>
             </a:r>
-            <a:endParaRPr lang="fr-FR" dirty="0" smtClean="0"/>
           </a:p>
           <a:p>
             <a:pPr marL="342900" indent="-342900">
@@ -7937,13 +7942,8 @@
             </a:pPr>
             <a:r>
               <a:rPr lang="fr-FR" dirty="0" smtClean="0"/>
-              <a:t>Lot 2 : </a:t>
-            </a:r>
-            <a:r>
-              <a:rPr lang="fr-FR" dirty="0" smtClean="0"/>
-              <a:t>Reports SSRS</a:t>
-            </a:r>
-            <a:endParaRPr lang="fr-FR" dirty="0" smtClean="0"/>
+              <a:t>Lot 2 : Reports SSRS</a:t>
+            </a:r>
           </a:p>
         </p:txBody>
       </p:sp>
@@ -7956,7 +7956,7 @@
           <p:nvPr>
             <p:extLst>
               <p:ext uri="{D42A27DB-BD31-4B8C-83A1-F6EECF244321}">
-                <p14:modId xmlns="" xmlns:p14="http://schemas.microsoft.com/office/powerpoint/2010/main" val="2161259375"/>
+                <p14:modId xmlns:p14="http://schemas.microsoft.com/office/powerpoint/2010/main" val="2161259375"/>
               </p:ext>
             </p:extLst>
           </p:nvPr>
@@ -8208,10 +8208,71 @@
           </a:p>
         </p:txBody>
       </p:sp>
+      <p:sp>
+        <p:nvSpPr>
+          <p:cNvPr id="6" name="ZoneTexte 5"/>
+          <p:cNvSpPr txBox="1"/>
+          <p:nvPr/>
+        </p:nvSpPr>
+        <p:spPr>
+          <a:xfrm>
+            <a:off x="1619672" y="4581128"/>
+            <a:ext cx="5400600" cy="523220"/>
+          </a:xfrm>
+          <a:prstGeom prst="rect">
+            <a:avLst/>
+          </a:prstGeom>
+        </p:spPr>
+        <p:style>
+          <a:lnRef idx="1">
+            <a:schemeClr val="accent2"/>
+          </a:lnRef>
+          <a:fillRef idx="2">
+            <a:schemeClr val="accent2"/>
+          </a:fillRef>
+          <a:effectRef idx="1">
+            <a:schemeClr val="accent2"/>
+          </a:effectRef>
+          <a:fontRef idx="minor">
+            <a:schemeClr val="dk1"/>
+          </a:fontRef>
+        </p:style>
+        <p:txBody>
+          <a:bodyPr wrap="square" rtlCol="0">
+            <a:spAutoFit/>
+          </a:bodyPr>
+          <a:lstStyle/>
+          <a:p>
+            <a:r>
+              <a:rPr lang="fr-FR" sz="1400" b="1" dirty="0" smtClean="0"/>
+              <a:t>ATTENTION</a:t>
+            </a:r>
+            <a:r>
+              <a:rPr lang="fr-FR" sz="1400" dirty="0" smtClean="0"/>
+              <a:t> : Nouveau script de Cédric, </a:t>
+            </a:r>
+            <a:r>
+              <a:rPr lang="fr-FR" sz="1400" dirty="0" err="1" smtClean="0"/>
+              <a:t>pb</a:t>
+            </a:r>
+            <a:r>
+              <a:rPr lang="fr-FR" sz="1400" dirty="0" smtClean="0"/>
+              <a:t> de FK avec la table des faits !</a:t>
+            </a:r>
+          </a:p>
+          <a:p>
+            <a:r>
+              <a:rPr lang="fr-FR" sz="1400" b="1" dirty="0" smtClean="0"/>
+              <a:t>Olivier : </a:t>
+            </a:r>
+            <a:endParaRPr lang="fr-FR" sz="1400" b="1" dirty="0" smtClean="0"/>
+          </a:p>
+        </p:txBody>
+      </p:sp>
     </p:spTree>
     <p:extLst>
       <p:ext uri="{BB962C8B-B14F-4D97-AF65-F5344CB8AC3E}">
-        <p14:creationId xmlns="" xmlns:p14="http://schemas.microsoft.com/office/powerpoint/2010/main" val="3884696437"/>
+        <p14:creationId xmlns:p14="http://schemas.microsoft.com/office/powerpoint/2010/main" val="3884696437"/>
       </p:ext>
     </p:extLst>
   </p:cSld>
@@ -8333,14 +8394,14 @@
           <p:nvPr>
             <p:extLst>
               <p:ext uri="{D42A27DB-BD31-4B8C-83A1-F6EECF244321}">
-                <p14:modId xmlns="" xmlns:p14="http://schemas.microsoft.com/office/powerpoint/2010/main" val="425944440"/>
+                <p14:modId xmlns:p14="http://schemas.microsoft.com/office/powerpoint/2010/main" val="1990348929"/>
               </p:ext>
             </p:extLst>
           </p:nvPr>
         </p:nvGraphicFramePr>
         <p:xfrm>
           <a:off x="899592" y="1340768"/>
-          <a:ext cx="6326846" cy="5151120"/>
+          <a:ext cx="6326846" cy="5430520"/>
         </p:xfrm>
         <a:graphic>
           <a:graphicData uri="http://schemas.openxmlformats.org/drawingml/2006/table">
@@ -8901,23 +8962,15 @@
                     <a:p>
                       <a:pPr algn="ctr"/>
                       <a:r>
-                        <a:rPr lang="fr-FR" dirty="0" smtClean="0"/>
-                        <a:t>Echange</a:t>
-                      </a:r>
-                      <a:r>
-                        <a:rPr lang="fr-FR" baseline="0" dirty="0" smtClean="0"/>
-                        <a:t> en cours avec </a:t>
-                      </a:r>
-                      <a:r>
-                        <a:rPr lang="fr-FR" baseline="0" dirty="0" err="1" smtClean="0"/>
-                        <a:t>Cedric</a:t>
+                        <a:rPr lang="fr-FR" smtClean="0"/>
+                        <a:t>OK</a:t>
                       </a:r>
                       <a:endParaRPr lang="fr-FR" dirty="0"/>
                     </a:p>
                   </a:txBody>
                   <a:tcPr>
                     <a:solidFill>
-                      <a:schemeClr val="accent6"/>
+                      <a:srgbClr val="00FF00"/>
                     </a:solidFill>
                   </a:tcPr>
                 </a:tc>
@@ -9083,7 +9136,18 @@
                       </a:r>
                       <a:r>
                         <a:rPr lang="fr-FR" baseline="0" dirty="0" smtClean="0"/>
-                        <a:t> rajout sur la justification du flocon</a:t>
+                        <a:t> rajout sur la justification du </a:t>
+                      </a:r>
+                      <a:r>
+                        <a:rPr lang="fr-FR" baseline="0" dirty="0" smtClean="0"/>
+                        <a:t>flocon</a:t>
+                      </a:r>
+                    </a:p>
+                    <a:p>
+                      <a:pPr algn="ctr"/>
+                      <a:r>
+                        <a:rPr lang="fr-FR" baseline="0" dirty="0" smtClean="0"/>
+                        <a:t>En attente côté Bernard</a:t>
                       </a:r>
                       <a:endParaRPr lang="fr-FR" dirty="0"/>
                     </a:p>
@@ -9113,7 +9177,7 @@
     </p:spTree>
     <p:extLst>
       <p:ext uri="{BB962C8B-B14F-4D97-AF65-F5344CB8AC3E}">
-        <p14:creationId xmlns="" xmlns:p14="http://schemas.microsoft.com/office/powerpoint/2010/main" val="3386994408"/>
+        <p14:creationId xmlns:p14="http://schemas.microsoft.com/office/powerpoint/2010/main" val="3386994408"/>
       </p:ext>
     </p:extLst>
   </p:cSld>
@@ -9286,8 +9350,13 @@
             </a:r>
             <a:r>
               <a:rPr lang="fr-FR" dirty="0" smtClean="0"/>
-              <a:t> Services se réalise avec l’outil SQL Server Data Tools (ou SSDT) alors que la gestion et l’administration des modèles se réalisent avec l’outil SQL Server Management Studio (ou SSMS).</a:t>
-            </a:r>
+              <a:t> Services se réalise avec l’outil SQL Server Data Tools (ou SSDT) alors que la gestion et l’administration des modèles se réalisent avec l’outil SQL Server Management Studio (ou SSMS</a:t>
+            </a:r>
+            <a:r>
+              <a:rPr lang="fr-FR" dirty="0" smtClean="0"/>
+              <a:t>)</a:t>
+            </a:r>
+            <a:endParaRPr lang="fr-FR" dirty="0" smtClean="0"/>
           </a:p>
           <a:p>
             <a:pPr marL="0" marR="0" lvl="0" indent="0" algn="just" defTabSz="914400" rtl="0" eaLnBrk="1" fontAlgn="base" latinLnBrk="0" hangingPunct="1">
@@ -9491,7 +9560,7 @@
     </p:spTree>
     <p:extLst>
       <p:ext uri="{BB962C8B-B14F-4D97-AF65-F5344CB8AC3E}">
-        <p14:creationId xmlns="" xmlns:p14="http://schemas.microsoft.com/office/powerpoint/2010/main" val="3386994408"/>
+        <p14:creationId xmlns:p14="http://schemas.microsoft.com/office/powerpoint/2010/main" val="3386994408"/>
       </p:ext>
     </p:extLst>
   </p:cSld>
@@ -9719,7 +9788,7 @@
         </p:nvSpPr>
         <p:spPr>
           <a:xfrm>
-            <a:off x="3923928" y="2060309"/>
+            <a:off x="6498215" y="4509119"/>
             <a:ext cx="2196244" cy="864096"/>
           </a:xfrm>
           <a:prstGeom prst="roundRect">
@@ -9770,7 +9839,7 @@
         </p:nvSpPr>
         <p:spPr>
           <a:xfrm>
-            <a:off x="3923928" y="4509120"/>
+            <a:off x="4031940" y="3356992"/>
             <a:ext cx="2196244" cy="864096"/>
           </a:xfrm>
           <a:prstGeom prst="roundRect">
@@ -9994,42 +10063,6 @@
           </a:fontRef>
         </p:style>
       </p:cxnSp>
-      <p:cxnSp>
-        <p:nvCxnSpPr>
-          <p:cNvPr id="22" name="Connecteur en angle 21"/>
-          <p:cNvCxnSpPr>
-            <a:stCxn id="8" idx="0"/>
-            <a:endCxn id="9" idx="1"/>
-          </p:cNvCxnSpPr>
-          <p:nvPr/>
-        </p:nvCxnSpPr>
-        <p:spPr>
-          <a:xfrm rot="5400000" flipH="1" flipV="1">
-            <a:off x="3203006" y="2204022"/>
-            <a:ext cx="432587" cy="1009258"/>
-          </a:xfrm>
-          <a:prstGeom prst="bentConnector2">
-            <a:avLst/>
-          </a:prstGeom>
-          <a:ln>
-            <a:tailEnd type="arrow"/>
-          </a:ln>
-        </p:spPr>
-        <p:style>
-          <a:lnRef idx="2">
-            <a:schemeClr val="accent1"/>
-          </a:lnRef>
-          <a:fillRef idx="0">
-            <a:schemeClr val="accent1"/>
-          </a:fillRef>
-          <a:effectRef idx="1">
-            <a:schemeClr val="accent1"/>
-          </a:effectRef>
-          <a:fontRef idx="minor">
-            <a:schemeClr val="tx1"/>
-          </a:fontRef>
-        </p:style>
-      </p:cxnSp>
       <p:sp>
         <p:nvSpPr>
           <p:cNvPr id="23" name="Rectangle 22"/>
@@ -10067,42 +10100,6 @@
           </a:p>
         </p:txBody>
       </p:sp>
-      <p:cxnSp>
-        <p:nvCxnSpPr>
-          <p:cNvPr id="25" name="Connecteur en angle 24"/>
-          <p:cNvCxnSpPr>
-            <a:stCxn id="8" idx="2"/>
-            <a:endCxn id="10" idx="1"/>
-          </p:cNvCxnSpPr>
-          <p:nvPr/>
-        </p:nvCxnSpPr>
-        <p:spPr>
-          <a:xfrm rot="16200000" flipH="1">
-            <a:off x="3239279" y="4256519"/>
-            <a:ext cx="360040" cy="1009258"/>
-          </a:xfrm>
-          <a:prstGeom prst="bentConnector2">
-            <a:avLst/>
-          </a:prstGeom>
-          <a:ln>
-            <a:tailEnd type="arrow"/>
-          </a:ln>
-        </p:spPr>
-        <p:style>
-          <a:lnRef idx="2">
-            <a:schemeClr val="accent2"/>
-          </a:lnRef>
-          <a:fillRef idx="0">
-            <a:schemeClr val="accent2"/>
-          </a:fillRef>
-          <a:effectRef idx="1">
-            <a:schemeClr val="accent2"/>
-          </a:effectRef>
-          <a:fontRef idx="minor">
-            <a:schemeClr val="tx1"/>
-          </a:fontRef>
-        </p:style>
-      </p:cxnSp>
       <p:sp>
         <p:nvSpPr>
           <p:cNvPr id="31" name="ZoneTexte 30"/>
@@ -10147,10 +10144,177 @@
           </a:p>
         </p:txBody>
       </p:sp>
+      <p:sp>
+        <p:nvSpPr>
+          <p:cNvPr id="18" name="ZoneTexte 17"/>
+          <p:cNvSpPr txBox="1"/>
+          <p:nvPr/>
+        </p:nvSpPr>
+        <p:spPr>
+          <a:xfrm>
+            <a:off x="323528" y="5621759"/>
+            <a:ext cx="8208912" cy="1169551"/>
+          </a:xfrm>
+          <a:prstGeom prst="rect">
+            <a:avLst/>
+          </a:prstGeom>
+        </p:spPr>
+        <p:style>
+          <a:lnRef idx="1">
+            <a:schemeClr val="accent5"/>
+          </a:lnRef>
+          <a:fillRef idx="2">
+            <a:schemeClr val="accent5"/>
+          </a:fillRef>
+          <a:effectRef idx="1">
+            <a:schemeClr val="accent5"/>
+          </a:effectRef>
+          <a:fontRef idx="minor">
+            <a:schemeClr val="dk1"/>
+          </a:fontRef>
+        </p:style>
+        <p:txBody>
+          <a:bodyPr wrap="square" rtlCol="0">
+            <a:spAutoFit/>
+          </a:bodyPr>
+          <a:lstStyle/>
+          <a:p>
+            <a:r>
+              <a:rPr lang="fr-FR" sz="1400" dirty="0" smtClean="0"/>
+              <a:t>Bernard : Mode séquentiel</a:t>
+            </a:r>
+          </a:p>
+          <a:p>
+            <a:r>
+              <a:rPr lang="fr-FR" sz="1400" dirty="0" smtClean="0"/>
+              <a:t>Thomas : Va dépendre des solutions </a:t>
+            </a:r>
+            <a:r>
+              <a:rPr lang="fr-FR" sz="1400" dirty="0" err="1" smtClean="0"/>
+              <a:t>tech</a:t>
+            </a:r>
+            <a:r>
+              <a:rPr lang="fr-FR" sz="1400" dirty="0" smtClean="0"/>
+              <a:t> (Si complexe : Séquentiel)</a:t>
+            </a:r>
+          </a:p>
+          <a:p>
+            <a:r>
+              <a:rPr lang="fr-FR" sz="1400" dirty="0" smtClean="0"/>
+              <a:t>Brice : Mode séquentiel au début (1 semaine) et en fonction de l’absence de résultats : Mode //</a:t>
+            </a:r>
+          </a:p>
+          <a:p>
+            <a:r>
+              <a:rPr lang="fr-FR" sz="1400" dirty="0" smtClean="0"/>
+              <a:t>Olivier : </a:t>
+            </a:r>
+          </a:p>
+          <a:p>
+            <a:r>
+              <a:rPr lang="fr-FR" sz="1400" dirty="0" smtClean="0"/>
+              <a:t>Cédric : </a:t>
+            </a:r>
+            <a:endParaRPr lang="fr-FR" sz="1400" dirty="0" smtClean="0"/>
+          </a:p>
+        </p:txBody>
+      </p:sp>
+      <p:sp>
+        <p:nvSpPr>
+          <p:cNvPr id="21" name="Rectangle à coins arrondis 20"/>
+          <p:cNvSpPr/>
+          <p:nvPr/>
+        </p:nvSpPr>
+        <p:spPr>
+          <a:xfrm>
+            <a:off x="6498215" y="2082334"/>
+            <a:ext cx="2196244" cy="864096"/>
+          </a:xfrm>
+          <a:prstGeom prst="roundRect">
+            <a:avLst/>
+          </a:prstGeom>
+        </p:spPr>
+        <p:style>
+          <a:lnRef idx="2">
+            <a:schemeClr val="accent1">
+              <a:shade val="50000"/>
+            </a:schemeClr>
+          </a:lnRef>
+          <a:fillRef idx="1">
+            <a:schemeClr val="accent1"/>
+          </a:fillRef>
+          <a:effectRef idx="0">
+            <a:schemeClr val="accent1"/>
+          </a:effectRef>
+          <a:fontRef idx="minor">
+            <a:schemeClr val="lt1"/>
+          </a:fontRef>
+        </p:style>
+        <p:txBody>
+          <a:bodyPr rtlCol="0" anchor="ctr"/>
+          <a:lstStyle/>
+          <a:p>
+            <a:pPr algn="ctr"/>
+            <a:r>
+              <a:rPr lang="fr-FR" dirty="0" smtClean="0"/>
+              <a:t>SSIS</a:t>
+            </a:r>
+            <a:endParaRPr lang="fr-FR" dirty="0"/>
+          </a:p>
+        </p:txBody>
+      </p:sp>
+      <p:sp>
+        <p:nvSpPr>
+          <p:cNvPr id="24" name="ZoneTexte 23"/>
+          <p:cNvSpPr txBox="1"/>
+          <p:nvPr/>
+        </p:nvSpPr>
+        <p:spPr>
+          <a:xfrm>
+            <a:off x="7377716" y="983335"/>
+            <a:ext cx="789044" cy="369332"/>
+          </a:xfrm>
+          <a:prstGeom prst="rect">
+            <a:avLst/>
+          </a:prstGeom>
+        </p:spPr>
+        <p:style>
+          <a:lnRef idx="1">
+            <a:schemeClr val="accent5"/>
+          </a:lnRef>
+          <a:fillRef idx="2">
+            <a:schemeClr val="accent5"/>
+          </a:fillRef>
+          <a:effectRef idx="1">
+            <a:schemeClr val="accent5"/>
+          </a:effectRef>
+          <a:fontRef idx="minor">
+            <a:schemeClr val="dk1"/>
+          </a:fontRef>
+        </p:style>
+        <p:txBody>
+          <a:bodyPr wrap="square" rtlCol="0">
+            <a:spAutoFit/>
+          </a:bodyPr>
+          <a:lstStyle/>
+          <a:p>
+            <a:pPr algn="ctr"/>
+            <a:r>
+              <a:rPr lang="fr-FR" dirty="0" smtClean="0"/>
+              <a:t>LOT </a:t>
+            </a:r>
+            <a:r>
+              <a:rPr lang="fr-FR" dirty="0" smtClean="0"/>
+              <a:t>3</a:t>
+            </a:r>
+            <a:endParaRPr lang="fr-FR" sz="1600" dirty="0"/>
+          </a:p>
+        </p:txBody>
+      </p:sp>
     </p:spTree>
     <p:extLst>
       <p:ext uri="{BB962C8B-B14F-4D97-AF65-F5344CB8AC3E}">
-        <p14:creationId xmlns:p14="http://schemas.microsoft.com/office/powerpoint/2010/main" xmlns="" val="4104051211"/>
+        <p14:creationId xmlns:p14="http://schemas.microsoft.com/office/powerpoint/2010/main" val="4104051211"/>
       </p:ext>
     </p:extLst>
   </p:cSld>
@@ -10585,23 +10749,7 @@
           <a:p>
             <a:r>
               <a:rPr lang="fr-FR" dirty="0" smtClean="0"/>
-              <a:t>Que du Java, mais </a:t>
-            </a:r>
-            <a:r>
-              <a:rPr lang="fr-FR" dirty="0" smtClean="0"/>
-              <a:t>pas trouvé dans OLAP4J </a:t>
-            </a:r>
-            <a:r>
-              <a:rPr lang="fr-FR" dirty="0" smtClean="0"/>
-              <a:t>de possibilité d’accès </a:t>
-            </a:r>
-            <a:r>
-              <a:rPr lang="fr-FR" dirty="0" smtClean="0"/>
-              <a:t>direct au XMLA </a:t>
-            </a:r>
-            <a:r>
-              <a:rPr lang="fr-FR" dirty="0" smtClean="0"/>
-              <a:t>…</a:t>
+              <a:t>Que du Java, mais pas trouvé dans OLAP4J de possibilité d’accès direct au XMLA …</a:t>
             </a:r>
             <a:endParaRPr lang="fr-FR" sz="1600" b="1" dirty="0"/>
           </a:p>
@@ -10749,7 +10897,7 @@
     </p:spTree>
     <p:extLst>
       <p:ext uri="{BB962C8B-B14F-4D97-AF65-F5344CB8AC3E}">
-        <p14:creationId xmlns="" xmlns:p14="http://schemas.microsoft.com/office/powerpoint/2010/main" val="3386994408"/>
+        <p14:creationId xmlns:p14="http://schemas.microsoft.com/office/powerpoint/2010/main" val="3386994408"/>
       </p:ext>
     </p:extLst>
   </p:cSld>
@@ -10927,7 +11075,15 @@
             <a:pPr algn="ctr"/>
             <a:r>
               <a:rPr lang="fr-FR" dirty="0" smtClean="0"/>
-              <a:t>Optimiseur C#</a:t>
+              <a:t>Optimiseur</a:t>
+            </a:r>
+            <a:r>
+              <a:rPr lang="fr-FR" dirty="0" smtClean="0"/>
+              <a:t> </a:t>
+            </a:r>
+            <a:r>
+              <a:rPr lang="fr-FR" dirty="0" smtClean="0"/>
+              <a:t>C#</a:t>
             </a:r>
           </a:p>
           <a:p>
@@ -11323,10 +11479,77 @@
           </a:p>
         </p:txBody>
       </p:sp>
+      <p:sp>
+        <p:nvSpPr>
+          <p:cNvPr id="15" name="ZoneTexte 14"/>
+          <p:cNvSpPr txBox="1"/>
+          <p:nvPr/>
+        </p:nvSpPr>
+        <p:spPr>
+          <a:xfrm>
+            <a:off x="287524" y="4491117"/>
+            <a:ext cx="8208912" cy="1169551"/>
+          </a:xfrm>
+          <a:prstGeom prst="rect">
+            <a:avLst/>
+          </a:prstGeom>
+        </p:spPr>
+        <p:style>
+          <a:lnRef idx="1">
+            <a:schemeClr val="accent5"/>
+          </a:lnRef>
+          <a:fillRef idx="2">
+            <a:schemeClr val="accent5"/>
+          </a:fillRef>
+          <a:effectRef idx="1">
+            <a:schemeClr val="accent5"/>
+          </a:effectRef>
+          <a:fontRef idx="minor">
+            <a:schemeClr val="dk1"/>
+          </a:fontRef>
+        </p:style>
+        <p:txBody>
+          <a:bodyPr wrap="square" rtlCol="0">
+            <a:spAutoFit/>
+          </a:bodyPr>
+          <a:lstStyle/>
+          <a:p>
+            <a:r>
+              <a:rPr lang="fr-FR" sz="1400" dirty="0" smtClean="0"/>
+              <a:t>Bernard : OLAP4J</a:t>
+            </a:r>
+          </a:p>
+          <a:p>
+            <a:r>
+              <a:rPr lang="fr-FR" sz="1400" dirty="0" smtClean="0"/>
+              <a:t>Thomas : C#</a:t>
+            </a:r>
+          </a:p>
+          <a:p>
+            <a:r>
+              <a:rPr lang="fr-FR" sz="1400" dirty="0" smtClean="0"/>
+              <a:t>Brice : C#</a:t>
+            </a:r>
+          </a:p>
+          <a:p>
+            <a:r>
+              <a:rPr lang="fr-FR" sz="1400" dirty="0" smtClean="0"/>
+              <a:t>Olivier : C#</a:t>
+            </a:r>
+          </a:p>
+          <a:p>
+            <a:r>
+              <a:rPr lang="fr-FR" sz="1400" dirty="0" smtClean="0"/>
+              <a:t>Cédric : A voir =&gt; Si C# : Pb clôt, C#, sinon : 2 Proof of Concepts « concurrents »</a:t>
+            </a:r>
+            <a:endParaRPr lang="fr-FR" sz="1400" dirty="0" smtClean="0"/>
+          </a:p>
+        </p:txBody>
+      </p:sp>
     </p:spTree>
     <p:extLst>
       <p:ext uri="{BB962C8B-B14F-4D97-AF65-F5344CB8AC3E}">
-        <p14:creationId xmlns="" xmlns:p14="http://schemas.microsoft.com/office/powerpoint/2010/main" val="3386994408"/>
+        <p14:creationId xmlns:p14="http://schemas.microsoft.com/office/powerpoint/2010/main" val="3386994408"/>
       </p:ext>
     </p:extLst>
   </p:cSld>
@@ -11848,7 +12071,7 @@
     </p:spTree>
     <p:extLst>
       <p:ext uri="{BB962C8B-B14F-4D97-AF65-F5344CB8AC3E}">
-        <p14:creationId xmlns="" xmlns:p14="http://schemas.microsoft.com/office/powerpoint/2010/main" val="593714746"/>
+        <p14:creationId xmlns:p14="http://schemas.microsoft.com/office/powerpoint/2010/main" val="593714746"/>
       </p:ext>
     </p:extLst>
   </p:cSld>
